--- a/Microsoft Cognitive Services and Custom Vision.pptx
+++ b/Microsoft Cognitive Services and Custom Vision.pptx
@@ -6,9 +6,13 @@
   </p:sldMasterIdLst>
   <p:sldIdLst>
     <p:sldId id="256" r:id="rId2"/>
-    <p:sldId id="257" r:id="rId3"/>
-    <p:sldId id="258" r:id="rId4"/>
-    <p:sldId id="259" r:id="rId5"/>
+    <p:sldId id="261" r:id="rId3"/>
+    <p:sldId id="262" r:id="rId4"/>
+    <p:sldId id="257" r:id="rId5"/>
+    <p:sldId id="260" r:id="rId6"/>
+    <p:sldId id="263" r:id="rId7"/>
+    <p:sldId id="258" r:id="rId8"/>
+    <p:sldId id="259" r:id="rId9"/>
   </p:sldIdLst>
   <p:sldSz cx="12192000" cy="6858000"/>
   <p:notesSz cx="6858000" cy="9144000"/>
@@ -107,6 +111,11 @@
       </a:defRPr>
     </a:lvl9pPr>
   </p:defaultTextStyle>
+  <p:extLst>
+    <p:ext uri="{EFAFB233-063F-42B5-8137-9DF3F51BA10A}">
+      <p15:sldGuideLst xmlns:p15="http://schemas.microsoft.com/office/powerpoint/2012/main"/>
+    </p:ext>
+  </p:extLst>
 </p:presentation>
 </file>
 
@@ -257,7 +266,7 @@
           <a:p>
             <a:fld id="{AD2CA3B8-1545-400E-8560-E9F160DC3A33}" type="datetimeFigureOut">
               <a:rPr lang="es-ES" smtClean="0"/>
-              <a:t>11/03/2019</a:t>
+              <a:t>12/03/2019</a:t>
             </a:fld>
             <a:endParaRPr lang="es-ES"/>
           </a:p>
@@ -455,7 +464,7 @@
           <a:p>
             <a:fld id="{AD2CA3B8-1545-400E-8560-E9F160DC3A33}" type="datetimeFigureOut">
               <a:rPr lang="es-ES" smtClean="0"/>
-              <a:t>11/03/2019</a:t>
+              <a:t>12/03/2019</a:t>
             </a:fld>
             <a:endParaRPr lang="es-ES"/>
           </a:p>
@@ -663,7 +672,7 @@
           <a:p>
             <a:fld id="{AD2CA3B8-1545-400E-8560-E9F160DC3A33}" type="datetimeFigureOut">
               <a:rPr lang="es-ES" smtClean="0"/>
-              <a:t>11/03/2019</a:t>
+              <a:t>12/03/2019</a:t>
             </a:fld>
             <a:endParaRPr lang="es-ES"/>
           </a:p>
@@ -861,7 +870,7 @@
           <a:p>
             <a:fld id="{AD2CA3B8-1545-400E-8560-E9F160DC3A33}" type="datetimeFigureOut">
               <a:rPr lang="es-ES" smtClean="0"/>
-              <a:t>11/03/2019</a:t>
+              <a:t>12/03/2019</a:t>
             </a:fld>
             <a:endParaRPr lang="es-ES"/>
           </a:p>
@@ -1136,7 +1145,7 @@
           <a:p>
             <a:fld id="{AD2CA3B8-1545-400E-8560-E9F160DC3A33}" type="datetimeFigureOut">
               <a:rPr lang="es-ES" smtClean="0"/>
-              <a:t>11/03/2019</a:t>
+              <a:t>12/03/2019</a:t>
             </a:fld>
             <a:endParaRPr lang="es-ES"/>
           </a:p>
@@ -1401,7 +1410,7 @@
           <a:p>
             <a:fld id="{AD2CA3B8-1545-400E-8560-E9F160DC3A33}" type="datetimeFigureOut">
               <a:rPr lang="es-ES" smtClean="0"/>
-              <a:t>11/03/2019</a:t>
+              <a:t>12/03/2019</a:t>
             </a:fld>
             <a:endParaRPr lang="es-ES"/>
           </a:p>
@@ -1813,7 +1822,7 @@
           <a:p>
             <a:fld id="{AD2CA3B8-1545-400E-8560-E9F160DC3A33}" type="datetimeFigureOut">
               <a:rPr lang="es-ES" smtClean="0"/>
-              <a:t>11/03/2019</a:t>
+              <a:t>12/03/2019</a:t>
             </a:fld>
             <a:endParaRPr lang="es-ES"/>
           </a:p>
@@ -1954,7 +1963,7 @@
           <a:p>
             <a:fld id="{AD2CA3B8-1545-400E-8560-E9F160DC3A33}" type="datetimeFigureOut">
               <a:rPr lang="es-ES" smtClean="0"/>
-              <a:t>11/03/2019</a:t>
+              <a:t>12/03/2019</a:t>
             </a:fld>
             <a:endParaRPr lang="es-ES"/>
           </a:p>
@@ -2067,7 +2076,7 @@
           <a:p>
             <a:fld id="{AD2CA3B8-1545-400E-8560-E9F160DC3A33}" type="datetimeFigureOut">
               <a:rPr lang="es-ES" smtClean="0"/>
-              <a:t>11/03/2019</a:t>
+              <a:t>12/03/2019</a:t>
             </a:fld>
             <a:endParaRPr lang="es-ES"/>
           </a:p>
@@ -2378,7 +2387,7 @@
           <a:p>
             <a:fld id="{AD2CA3B8-1545-400E-8560-E9F160DC3A33}" type="datetimeFigureOut">
               <a:rPr lang="es-ES" smtClean="0"/>
-              <a:t>11/03/2019</a:t>
+              <a:t>12/03/2019</a:t>
             </a:fld>
             <a:endParaRPr lang="es-ES"/>
           </a:p>
@@ -2666,7 +2675,7 @@
           <a:p>
             <a:fld id="{AD2CA3B8-1545-400E-8560-E9F160DC3A33}" type="datetimeFigureOut">
               <a:rPr lang="es-ES" smtClean="0"/>
-              <a:t>11/03/2019</a:t>
+              <a:t>12/03/2019</a:t>
             </a:fld>
             <a:endParaRPr lang="es-ES"/>
           </a:p>
@@ -2907,7 +2916,7 @@
           <a:p>
             <a:fld id="{AD2CA3B8-1545-400E-8560-E9F160DC3A33}" type="datetimeFigureOut">
               <a:rPr lang="es-ES" smtClean="0"/>
-              <a:t>11/03/2019</a:t>
+              <a:t>12/03/2019</a:t>
             </a:fld>
             <a:endParaRPr lang="es-ES"/>
           </a:p>
@@ -3450,6 +3459,203 @@
           <p:cNvPr id="2" name="Título 1">
             <a:extLst>
               <a:ext uri="{FF2B5EF4-FFF2-40B4-BE49-F238E27FC236}">
+                <a16:creationId xmlns:a16="http://schemas.microsoft.com/office/drawing/2014/main" id="{7492C75C-01B6-4E6A-8AE8-BE6B7D6A3D2C}"/>
+              </a:ext>
+            </a:extLst>
+          </p:cNvPr>
+          <p:cNvSpPr>
+            <a:spLocks noGrp="1"/>
+          </p:cNvSpPr>
+          <p:nvPr>
+            <p:ph type="title"/>
+          </p:nvPr>
+        </p:nvSpPr>
+        <p:spPr/>
+        <p:txBody>
+          <a:bodyPr/>
+          <a:lstStyle/>
+          <a:p>
+            <a:endParaRPr lang="es-ES"/>
+          </a:p>
+        </p:txBody>
+      </p:sp>
+      <p:pic>
+        <p:nvPicPr>
+          <p:cNvPr id="4" name="Marcador de contenido 3">
+            <a:extLst>
+              <a:ext uri="{FF2B5EF4-FFF2-40B4-BE49-F238E27FC236}">
+                <a16:creationId xmlns:a16="http://schemas.microsoft.com/office/drawing/2014/main" id="{B798E63E-EF7D-4DD1-B834-05A0BD6E7C28}"/>
+              </a:ext>
+            </a:extLst>
+          </p:cNvPr>
+          <p:cNvPicPr>
+            <a:picLocks noGrp="1" noChangeAspect="1"/>
+          </p:cNvPicPr>
+          <p:nvPr>
+            <p:ph idx="1"/>
+          </p:nvPr>
+        </p:nvPicPr>
+        <p:blipFill>
+          <a:blip r:embed="rId2"/>
+          <a:stretch>
+            <a:fillRect/>
+          </a:stretch>
+        </p:blipFill>
+        <p:spPr>
+          <a:xfrm>
+            <a:off x="2504574" y="2038870"/>
+            <a:ext cx="7182852" cy="3924848"/>
+          </a:xfrm>
+          <a:prstGeom prst="rect">
+            <a:avLst/>
+          </a:prstGeom>
+        </p:spPr>
+      </p:pic>
+    </p:spTree>
+    <p:extLst>
+      <p:ext uri="{BB962C8B-B14F-4D97-AF65-F5344CB8AC3E}">
+        <p14:creationId xmlns:p14="http://schemas.microsoft.com/office/powerpoint/2010/main" val="153821854"/>
+      </p:ext>
+    </p:extLst>
+  </p:cSld>
+  <p:clrMapOvr>
+    <a:masterClrMapping/>
+  </p:clrMapOvr>
+</p:sld>
+</file>
+
+<file path=ppt/slides/slide3.xml><?xml version="1.0" encoding="utf-8"?>
+<p:sld xmlns:a="http://schemas.openxmlformats.org/drawingml/2006/main" xmlns:r="http://schemas.openxmlformats.org/officeDocument/2006/relationships" xmlns:p="http://schemas.openxmlformats.org/presentationml/2006/main">
+  <p:cSld>
+    <p:spTree>
+      <p:nvGrpSpPr>
+        <p:cNvPr id="1" name=""/>
+        <p:cNvGrpSpPr/>
+        <p:nvPr/>
+      </p:nvGrpSpPr>
+      <p:grpSpPr>
+        <a:xfrm>
+          <a:off x="0" y="0"/>
+          <a:ext cx="0" cy="0"/>
+          <a:chOff x="0" y="0"/>
+          <a:chExt cx="0" cy="0"/>
+        </a:xfrm>
+      </p:grpSpPr>
+      <p:sp>
+        <p:nvSpPr>
+          <p:cNvPr id="2" name="Título 1">
+            <a:extLst>
+              <a:ext uri="{FF2B5EF4-FFF2-40B4-BE49-F238E27FC236}">
+                <a16:creationId xmlns:a16="http://schemas.microsoft.com/office/drawing/2014/main" id="{1F6E59FC-9F4A-4B74-B0BB-EB88E6D0CAD0}"/>
+              </a:ext>
+            </a:extLst>
+          </p:cNvPr>
+          <p:cNvSpPr>
+            <a:spLocks noGrp="1"/>
+          </p:cNvSpPr>
+          <p:nvPr>
+            <p:ph type="title"/>
+          </p:nvPr>
+        </p:nvSpPr>
+        <p:spPr/>
+        <p:txBody>
+          <a:bodyPr/>
+          <a:lstStyle/>
+          <a:p>
+            <a:endParaRPr lang="es-ES"/>
+          </a:p>
+        </p:txBody>
+      </p:sp>
+      <p:sp>
+        <p:nvSpPr>
+          <p:cNvPr id="3" name="Marcador de contenido 2">
+            <a:extLst>
+              <a:ext uri="{FF2B5EF4-FFF2-40B4-BE49-F238E27FC236}">
+                <a16:creationId xmlns:a16="http://schemas.microsoft.com/office/drawing/2014/main" id="{5E5A6D3D-CB42-4AF0-AD36-24DAFAD74693}"/>
+              </a:ext>
+            </a:extLst>
+          </p:cNvPr>
+          <p:cNvSpPr>
+            <a:spLocks noGrp="1"/>
+          </p:cNvSpPr>
+          <p:nvPr>
+            <p:ph idx="1"/>
+          </p:nvPr>
+        </p:nvSpPr>
+        <p:spPr/>
+        <p:txBody>
+          <a:bodyPr/>
+          <a:lstStyle/>
+          <a:p>
+            <a:endParaRPr lang="es-ES"/>
+          </a:p>
+        </p:txBody>
+      </p:sp>
+      <p:pic>
+        <p:nvPicPr>
+          <p:cNvPr id="4" name="Imagen 3">
+            <a:extLst>
+              <a:ext uri="{FF2B5EF4-FFF2-40B4-BE49-F238E27FC236}">
+                <a16:creationId xmlns:a16="http://schemas.microsoft.com/office/drawing/2014/main" id="{F9B59A7B-DC6A-451E-96D8-0F356B678785}"/>
+              </a:ext>
+            </a:extLst>
+          </p:cNvPr>
+          <p:cNvPicPr>
+            <a:picLocks noChangeAspect="1"/>
+          </p:cNvPicPr>
+          <p:nvPr/>
+        </p:nvPicPr>
+        <p:blipFill>
+          <a:blip r:embed="rId2"/>
+          <a:stretch>
+            <a:fillRect/>
+          </a:stretch>
+        </p:blipFill>
+        <p:spPr>
+          <a:xfrm>
+            <a:off x="1713888" y="1333207"/>
+            <a:ext cx="8764223" cy="4191585"/>
+          </a:xfrm>
+          <a:prstGeom prst="rect">
+            <a:avLst/>
+          </a:prstGeom>
+        </p:spPr>
+      </p:pic>
+    </p:spTree>
+    <p:extLst>
+      <p:ext uri="{BB962C8B-B14F-4D97-AF65-F5344CB8AC3E}">
+        <p14:creationId xmlns:p14="http://schemas.microsoft.com/office/powerpoint/2010/main" val="1422541892"/>
+      </p:ext>
+    </p:extLst>
+  </p:cSld>
+  <p:clrMapOvr>
+    <a:masterClrMapping/>
+  </p:clrMapOvr>
+</p:sld>
+</file>
+
+<file path=ppt/slides/slide4.xml><?xml version="1.0" encoding="utf-8"?>
+<p:sld xmlns:a="http://schemas.openxmlformats.org/drawingml/2006/main" xmlns:r="http://schemas.openxmlformats.org/officeDocument/2006/relationships" xmlns:p="http://schemas.openxmlformats.org/presentationml/2006/main">
+  <p:cSld>
+    <p:spTree>
+      <p:nvGrpSpPr>
+        <p:cNvPr id="1" name=""/>
+        <p:cNvGrpSpPr/>
+        <p:nvPr/>
+      </p:nvGrpSpPr>
+      <p:grpSpPr>
+        <a:xfrm>
+          <a:off x="0" y="0"/>
+          <a:ext cx="0" cy="0"/>
+          <a:chOff x="0" y="0"/>
+          <a:chExt cx="0" cy="0"/>
+        </a:xfrm>
+      </p:grpSpPr>
+      <p:sp>
+        <p:nvSpPr>
+          <p:cNvPr id="2" name="Título 1">
+            <a:extLst>
+              <a:ext uri="{FF2B5EF4-FFF2-40B4-BE49-F238E27FC236}">
                 <a16:creationId xmlns:a16="http://schemas.microsoft.com/office/drawing/2014/main" id="{E696AA0C-2CC1-46B2-ACDF-DD51C3FCC294}"/>
               </a:ext>
             </a:extLst>
@@ -3546,7 +3752,238 @@
 </p:sld>
 </file>
 
-<file path=ppt/slides/slide3.xml><?xml version="1.0" encoding="utf-8"?>
+<file path=ppt/slides/slide5.xml><?xml version="1.0" encoding="utf-8"?>
+<p:sld xmlns:a="http://schemas.openxmlformats.org/drawingml/2006/main" xmlns:r="http://schemas.openxmlformats.org/officeDocument/2006/relationships" xmlns:p="http://schemas.openxmlformats.org/presentationml/2006/main">
+  <p:cSld>
+    <p:spTree>
+      <p:nvGrpSpPr>
+        <p:cNvPr id="1" name=""/>
+        <p:cNvGrpSpPr/>
+        <p:nvPr/>
+      </p:nvGrpSpPr>
+      <p:grpSpPr>
+        <a:xfrm>
+          <a:off x="0" y="0"/>
+          <a:ext cx="0" cy="0"/>
+          <a:chOff x="0" y="0"/>
+          <a:chExt cx="0" cy="0"/>
+        </a:xfrm>
+      </p:grpSpPr>
+      <p:sp>
+        <p:nvSpPr>
+          <p:cNvPr id="2" name="Título 1">
+            <a:extLst>
+              <a:ext uri="{FF2B5EF4-FFF2-40B4-BE49-F238E27FC236}">
+                <a16:creationId xmlns:a16="http://schemas.microsoft.com/office/drawing/2014/main" id="{288F3FB0-6C03-4EF4-BF6B-DFFE829FC827}"/>
+              </a:ext>
+            </a:extLst>
+          </p:cNvPr>
+          <p:cNvSpPr>
+            <a:spLocks noGrp="1"/>
+          </p:cNvSpPr>
+          <p:nvPr>
+            <p:ph type="title"/>
+          </p:nvPr>
+        </p:nvSpPr>
+        <p:spPr/>
+        <p:txBody>
+          <a:bodyPr/>
+          <a:lstStyle/>
+          <a:p>
+            <a:r>
+              <a:rPr lang="en-GB" dirty="0"/>
+              <a:t>Computer Vision API</a:t>
+            </a:r>
+            <a:endParaRPr lang="es-ES" dirty="0"/>
+          </a:p>
+        </p:txBody>
+      </p:sp>
+      <p:pic>
+        <p:nvPicPr>
+          <p:cNvPr id="4" name="Marcador de contenido 3">
+            <a:extLst>
+              <a:ext uri="{FF2B5EF4-FFF2-40B4-BE49-F238E27FC236}">
+                <a16:creationId xmlns:a16="http://schemas.microsoft.com/office/drawing/2014/main" id="{9E163123-16D9-4413-BF8D-5F2E60678430}"/>
+              </a:ext>
+            </a:extLst>
+          </p:cNvPr>
+          <p:cNvPicPr>
+            <a:picLocks noGrp="1" noChangeAspect="1"/>
+          </p:cNvPicPr>
+          <p:nvPr>
+            <p:ph idx="1"/>
+          </p:nvPr>
+        </p:nvPicPr>
+        <p:blipFill>
+          <a:blip r:embed="rId2"/>
+          <a:stretch>
+            <a:fillRect/>
+          </a:stretch>
+        </p:blipFill>
+        <p:spPr>
+          <a:xfrm>
+            <a:off x="136235" y="1423707"/>
+            <a:ext cx="6134956" cy="4010585"/>
+          </a:xfrm>
+          <a:prstGeom prst="rect">
+            <a:avLst/>
+          </a:prstGeom>
+        </p:spPr>
+      </p:pic>
+      <p:pic>
+        <p:nvPicPr>
+          <p:cNvPr id="5" name="Imagen 4">
+            <a:extLst>
+              <a:ext uri="{FF2B5EF4-FFF2-40B4-BE49-F238E27FC236}">
+                <a16:creationId xmlns:a16="http://schemas.microsoft.com/office/drawing/2014/main" id="{D0369CF1-9FD8-4CDC-A41F-8AD5AE58DACA}"/>
+              </a:ext>
+            </a:extLst>
+          </p:cNvPr>
+          <p:cNvPicPr>
+            <a:picLocks noChangeAspect="1"/>
+          </p:cNvPicPr>
+          <p:nvPr/>
+        </p:nvPicPr>
+        <p:blipFill>
+          <a:blip r:embed="rId3"/>
+          <a:stretch>
+            <a:fillRect/>
+          </a:stretch>
+        </p:blipFill>
+        <p:spPr>
+          <a:xfrm>
+            <a:off x="4929809" y="3048193"/>
+            <a:ext cx="7262191" cy="3809807"/>
+          </a:xfrm>
+          <a:prstGeom prst="rect">
+            <a:avLst/>
+          </a:prstGeom>
+        </p:spPr>
+      </p:pic>
+    </p:spTree>
+    <p:extLst>
+      <p:ext uri="{BB962C8B-B14F-4D97-AF65-F5344CB8AC3E}">
+        <p14:creationId xmlns:p14="http://schemas.microsoft.com/office/powerpoint/2010/main" val="2761085050"/>
+      </p:ext>
+    </p:extLst>
+  </p:cSld>
+  <p:clrMapOvr>
+    <a:masterClrMapping/>
+  </p:clrMapOvr>
+</p:sld>
+</file>
+
+<file path=ppt/slides/slide6.xml><?xml version="1.0" encoding="utf-8"?>
+<p:sld xmlns:a="http://schemas.openxmlformats.org/drawingml/2006/main" xmlns:r="http://schemas.openxmlformats.org/officeDocument/2006/relationships" xmlns:p="http://schemas.openxmlformats.org/presentationml/2006/main">
+  <p:cSld>
+    <p:spTree>
+      <p:nvGrpSpPr>
+        <p:cNvPr id="1" name=""/>
+        <p:cNvGrpSpPr/>
+        <p:nvPr/>
+      </p:nvGrpSpPr>
+      <p:grpSpPr>
+        <a:xfrm>
+          <a:off x="0" y="0"/>
+          <a:ext cx="0" cy="0"/>
+          <a:chOff x="0" y="0"/>
+          <a:chExt cx="0" cy="0"/>
+        </a:xfrm>
+      </p:grpSpPr>
+      <p:sp>
+        <p:nvSpPr>
+          <p:cNvPr id="2" name="Título 1">
+            <a:extLst>
+              <a:ext uri="{FF2B5EF4-FFF2-40B4-BE49-F238E27FC236}">
+                <a16:creationId xmlns:a16="http://schemas.microsoft.com/office/drawing/2014/main" id="{920EC307-1C53-4DB4-9B3D-1D873F9D87F8}"/>
+              </a:ext>
+            </a:extLst>
+          </p:cNvPr>
+          <p:cNvSpPr>
+            <a:spLocks noGrp="1"/>
+          </p:cNvSpPr>
+          <p:nvPr>
+            <p:ph type="title"/>
+          </p:nvPr>
+        </p:nvSpPr>
+        <p:spPr/>
+        <p:txBody>
+          <a:bodyPr/>
+          <a:lstStyle/>
+          <a:p>
+            <a:endParaRPr lang="es-ES"/>
+          </a:p>
+        </p:txBody>
+      </p:sp>
+      <p:sp>
+        <p:nvSpPr>
+          <p:cNvPr id="3" name="Marcador de contenido 2">
+            <a:extLst>
+              <a:ext uri="{FF2B5EF4-FFF2-40B4-BE49-F238E27FC236}">
+                <a16:creationId xmlns:a16="http://schemas.microsoft.com/office/drawing/2014/main" id="{C648304E-1A0E-4215-9E96-098DC426AA2E}"/>
+              </a:ext>
+            </a:extLst>
+          </p:cNvPr>
+          <p:cNvSpPr>
+            <a:spLocks noGrp="1"/>
+          </p:cNvSpPr>
+          <p:nvPr>
+            <p:ph idx="1"/>
+          </p:nvPr>
+        </p:nvSpPr>
+        <p:spPr/>
+        <p:txBody>
+          <a:bodyPr/>
+          <a:lstStyle/>
+          <a:p>
+            <a:endParaRPr lang="es-ES"/>
+          </a:p>
+        </p:txBody>
+      </p:sp>
+      <p:pic>
+        <p:nvPicPr>
+          <p:cNvPr id="4" name="Imagen 3">
+            <a:extLst>
+              <a:ext uri="{FF2B5EF4-FFF2-40B4-BE49-F238E27FC236}">
+                <a16:creationId xmlns:a16="http://schemas.microsoft.com/office/drawing/2014/main" id="{FAEA720C-CF6E-4331-A1D4-D365A2146881}"/>
+              </a:ext>
+            </a:extLst>
+          </p:cNvPr>
+          <p:cNvPicPr>
+            <a:picLocks noChangeAspect="1"/>
+          </p:cNvPicPr>
+          <p:nvPr/>
+        </p:nvPicPr>
+        <p:blipFill>
+          <a:blip r:embed="rId2"/>
+          <a:stretch>
+            <a:fillRect/>
+          </a:stretch>
+        </p:blipFill>
+        <p:spPr>
+          <a:xfrm>
+            <a:off x="2023494" y="1042654"/>
+            <a:ext cx="8145012" cy="4772691"/>
+          </a:xfrm>
+          <a:prstGeom prst="rect">
+            <a:avLst/>
+          </a:prstGeom>
+        </p:spPr>
+      </p:pic>
+    </p:spTree>
+    <p:extLst>
+      <p:ext uri="{BB962C8B-B14F-4D97-AF65-F5344CB8AC3E}">
+        <p14:creationId xmlns:p14="http://schemas.microsoft.com/office/powerpoint/2010/main" val="1542061273"/>
+      </p:ext>
+    </p:extLst>
+  </p:cSld>
+  <p:clrMapOvr>
+    <a:masterClrMapping/>
+  </p:clrMapOvr>
+</p:sld>
+</file>
+
+<file path=ppt/slides/slide7.xml><?xml version="1.0" encoding="utf-8"?>
 <p:sld xmlns:a="http://schemas.openxmlformats.org/drawingml/2006/main" xmlns:r="http://schemas.openxmlformats.org/officeDocument/2006/relationships" xmlns:p="http://schemas.openxmlformats.org/presentationml/2006/main">
   <p:cSld>
     <p:spTree>
@@ -3675,6 +4112,36 @@
           </a:p>
         </p:txBody>
       </p:sp>
+      <p:pic>
+        <p:nvPicPr>
+          <p:cNvPr id="5" name="Imagen 4">
+            <a:extLst>
+              <a:ext uri="{FF2B5EF4-FFF2-40B4-BE49-F238E27FC236}">
+                <a16:creationId xmlns:a16="http://schemas.microsoft.com/office/drawing/2014/main" id="{82A97AFF-8A04-4FC5-9756-73FD487FB9FA}"/>
+              </a:ext>
+            </a:extLst>
+          </p:cNvPr>
+          <p:cNvPicPr>
+            <a:picLocks noChangeAspect="1"/>
+          </p:cNvPicPr>
+          <p:nvPr/>
+        </p:nvPicPr>
+        <p:blipFill>
+          <a:blip r:embed="rId3"/>
+          <a:stretch>
+            <a:fillRect/>
+          </a:stretch>
+        </p:blipFill>
+        <p:spPr>
+          <a:xfrm>
+            <a:off x="6413156" y="3822863"/>
+            <a:ext cx="5778843" cy="3035137"/>
+          </a:xfrm>
+          <a:prstGeom prst="rect">
+            <a:avLst/>
+          </a:prstGeom>
+        </p:spPr>
+      </p:pic>
     </p:spTree>
     <p:extLst>
       <p:ext uri="{BB962C8B-B14F-4D97-AF65-F5344CB8AC3E}">
@@ -3688,7 +4155,7 @@
 </p:sld>
 </file>
 
-<file path=ppt/slides/slide4.xml><?xml version="1.0" encoding="utf-8"?>
+<file path=ppt/slides/slide8.xml><?xml version="1.0" encoding="utf-8"?>
 <p:sld xmlns:a="http://schemas.openxmlformats.org/drawingml/2006/main" xmlns:r="http://schemas.openxmlformats.org/officeDocument/2006/relationships" xmlns:p="http://schemas.openxmlformats.org/presentationml/2006/main">
   <p:cSld>
     <p:spTree>

--- a/Microsoft Cognitive Services and Custom Vision.pptx
+++ b/Microsoft Cognitive Services and Custom Vision.pptx
@@ -266,7 +266,7 @@
           <a:p>
             <a:fld id="{AD2CA3B8-1545-400E-8560-E9F160DC3A33}" type="datetimeFigureOut">
               <a:rPr lang="es-ES" smtClean="0"/>
-              <a:t>12/03/2019</a:t>
+              <a:t>15/03/2019</a:t>
             </a:fld>
             <a:endParaRPr lang="es-ES"/>
           </a:p>
@@ -464,7 +464,7 @@
           <a:p>
             <a:fld id="{AD2CA3B8-1545-400E-8560-E9F160DC3A33}" type="datetimeFigureOut">
               <a:rPr lang="es-ES" smtClean="0"/>
-              <a:t>12/03/2019</a:t>
+              <a:t>15/03/2019</a:t>
             </a:fld>
             <a:endParaRPr lang="es-ES"/>
           </a:p>
@@ -672,7 +672,7 @@
           <a:p>
             <a:fld id="{AD2CA3B8-1545-400E-8560-E9F160DC3A33}" type="datetimeFigureOut">
               <a:rPr lang="es-ES" smtClean="0"/>
-              <a:t>12/03/2019</a:t>
+              <a:t>15/03/2019</a:t>
             </a:fld>
             <a:endParaRPr lang="es-ES"/>
           </a:p>
@@ -870,7 +870,7 @@
           <a:p>
             <a:fld id="{AD2CA3B8-1545-400E-8560-E9F160DC3A33}" type="datetimeFigureOut">
               <a:rPr lang="es-ES" smtClean="0"/>
-              <a:t>12/03/2019</a:t>
+              <a:t>15/03/2019</a:t>
             </a:fld>
             <a:endParaRPr lang="es-ES"/>
           </a:p>
@@ -1145,7 +1145,7 @@
           <a:p>
             <a:fld id="{AD2CA3B8-1545-400E-8560-E9F160DC3A33}" type="datetimeFigureOut">
               <a:rPr lang="es-ES" smtClean="0"/>
-              <a:t>12/03/2019</a:t>
+              <a:t>15/03/2019</a:t>
             </a:fld>
             <a:endParaRPr lang="es-ES"/>
           </a:p>
@@ -1410,7 +1410,7 @@
           <a:p>
             <a:fld id="{AD2CA3B8-1545-400E-8560-E9F160DC3A33}" type="datetimeFigureOut">
               <a:rPr lang="es-ES" smtClean="0"/>
-              <a:t>12/03/2019</a:t>
+              <a:t>15/03/2019</a:t>
             </a:fld>
             <a:endParaRPr lang="es-ES"/>
           </a:p>
@@ -1822,7 +1822,7 @@
           <a:p>
             <a:fld id="{AD2CA3B8-1545-400E-8560-E9F160DC3A33}" type="datetimeFigureOut">
               <a:rPr lang="es-ES" smtClean="0"/>
-              <a:t>12/03/2019</a:t>
+              <a:t>15/03/2019</a:t>
             </a:fld>
             <a:endParaRPr lang="es-ES"/>
           </a:p>
@@ -1963,7 +1963,7 @@
           <a:p>
             <a:fld id="{AD2CA3B8-1545-400E-8560-E9F160DC3A33}" type="datetimeFigureOut">
               <a:rPr lang="es-ES" smtClean="0"/>
-              <a:t>12/03/2019</a:t>
+              <a:t>15/03/2019</a:t>
             </a:fld>
             <a:endParaRPr lang="es-ES"/>
           </a:p>
@@ -2076,7 +2076,7 @@
           <a:p>
             <a:fld id="{AD2CA3B8-1545-400E-8560-E9F160DC3A33}" type="datetimeFigureOut">
               <a:rPr lang="es-ES" smtClean="0"/>
-              <a:t>12/03/2019</a:t>
+              <a:t>15/03/2019</a:t>
             </a:fld>
             <a:endParaRPr lang="es-ES"/>
           </a:p>
@@ -2387,7 +2387,7 @@
           <a:p>
             <a:fld id="{AD2CA3B8-1545-400E-8560-E9F160DC3A33}" type="datetimeFigureOut">
               <a:rPr lang="es-ES" smtClean="0"/>
-              <a:t>12/03/2019</a:t>
+              <a:t>15/03/2019</a:t>
             </a:fld>
             <a:endParaRPr lang="es-ES"/>
           </a:p>
@@ -2675,7 +2675,7 @@
           <a:p>
             <a:fld id="{AD2CA3B8-1545-400E-8560-E9F160DC3A33}" type="datetimeFigureOut">
               <a:rPr lang="es-ES" smtClean="0"/>
-              <a:t>12/03/2019</a:t>
+              <a:t>15/03/2019</a:t>
             </a:fld>
             <a:endParaRPr lang="es-ES"/>
           </a:p>
@@ -2916,7 +2916,7 @@
           <a:p>
             <a:fld id="{AD2CA3B8-1545-400E-8560-E9F160DC3A33}" type="datetimeFigureOut">
               <a:rPr lang="es-ES" smtClean="0"/>
-              <a:t>12/03/2019</a:t>
+              <a:t>15/03/2019</a:t>
             </a:fld>
             <a:endParaRPr lang="es-ES"/>
           </a:p>
@@ -3503,8 +3503,98 @@
         </p:blipFill>
         <p:spPr>
           <a:xfrm>
-            <a:off x="2504574" y="2038870"/>
-            <a:ext cx="7182852" cy="3924848"/>
+            <a:off x="188495" y="1647844"/>
+            <a:ext cx="5175336" cy="2827903"/>
+          </a:xfrm>
+          <a:prstGeom prst="rect">
+            <a:avLst/>
+          </a:prstGeom>
+        </p:spPr>
+      </p:pic>
+      <p:pic>
+        <p:nvPicPr>
+          <p:cNvPr id="3" name="Imagen 2">
+            <a:extLst>
+              <a:ext uri="{FF2B5EF4-FFF2-40B4-BE49-F238E27FC236}">
+                <a16:creationId xmlns:a16="http://schemas.microsoft.com/office/drawing/2014/main" id="{3C5E770D-F5F4-46E7-B0AF-4929378552F8}"/>
+              </a:ext>
+            </a:extLst>
+          </p:cNvPr>
+          <p:cNvPicPr>
+            <a:picLocks noChangeAspect="1"/>
+          </p:cNvPicPr>
+          <p:nvPr/>
+        </p:nvPicPr>
+        <p:blipFill>
+          <a:blip r:embed="rId3"/>
+          <a:stretch>
+            <a:fillRect/>
+          </a:stretch>
+        </p:blipFill>
+        <p:spPr>
+          <a:xfrm>
+            <a:off x="5363831" y="1690688"/>
+            <a:ext cx="5082869" cy="2884872"/>
+          </a:xfrm>
+          <a:prstGeom prst="rect">
+            <a:avLst/>
+          </a:prstGeom>
+        </p:spPr>
+      </p:pic>
+      <p:pic>
+        <p:nvPicPr>
+          <p:cNvPr id="5" name="Imagen 4">
+            <a:extLst>
+              <a:ext uri="{FF2B5EF4-FFF2-40B4-BE49-F238E27FC236}">
+                <a16:creationId xmlns:a16="http://schemas.microsoft.com/office/drawing/2014/main" id="{A9AD4B5C-93F6-4126-9E22-FA715E7684F4}"/>
+              </a:ext>
+            </a:extLst>
+          </p:cNvPr>
+          <p:cNvPicPr>
+            <a:picLocks noChangeAspect="1"/>
+          </p:cNvPicPr>
+          <p:nvPr/>
+        </p:nvPicPr>
+        <p:blipFill>
+          <a:blip r:embed="rId4"/>
+          <a:stretch>
+            <a:fillRect/>
+          </a:stretch>
+        </p:blipFill>
+        <p:spPr>
+          <a:xfrm>
+            <a:off x="188495" y="4080714"/>
+            <a:ext cx="4847577" cy="1677752"/>
+          </a:xfrm>
+          <a:prstGeom prst="rect">
+            <a:avLst/>
+          </a:prstGeom>
+        </p:spPr>
+      </p:pic>
+      <p:pic>
+        <p:nvPicPr>
+          <p:cNvPr id="6" name="Imagen 5">
+            <a:extLst>
+              <a:ext uri="{FF2B5EF4-FFF2-40B4-BE49-F238E27FC236}">
+                <a16:creationId xmlns:a16="http://schemas.microsoft.com/office/drawing/2014/main" id="{BB51F3A2-4F69-4D6F-B6F6-2F5B17CE21F3}"/>
+              </a:ext>
+            </a:extLst>
+          </p:cNvPr>
+          <p:cNvPicPr>
+            <a:picLocks noChangeAspect="1"/>
+          </p:cNvPicPr>
+          <p:nvPr/>
+        </p:nvPicPr>
+        <p:blipFill>
+          <a:blip r:embed="rId5"/>
+          <a:stretch>
+            <a:fillRect/>
+          </a:stretch>
+        </p:blipFill>
+        <p:spPr>
+          <a:xfrm>
+            <a:off x="5036072" y="4518810"/>
+            <a:ext cx="4190867" cy="1325564"/>
           </a:xfrm>
           <a:prstGeom prst="rect">
             <a:avLst/>
@@ -3541,56 +3631,6 @@
           <a:chExt cx="0" cy="0"/>
         </a:xfrm>
       </p:grpSpPr>
-      <p:sp>
-        <p:nvSpPr>
-          <p:cNvPr id="2" name="Título 1">
-            <a:extLst>
-              <a:ext uri="{FF2B5EF4-FFF2-40B4-BE49-F238E27FC236}">
-                <a16:creationId xmlns:a16="http://schemas.microsoft.com/office/drawing/2014/main" id="{1F6E59FC-9F4A-4B74-B0BB-EB88E6D0CAD0}"/>
-              </a:ext>
-            </a:extLst>
-          </p:cNvPr>
-          <p:cNvSpPr>
-            <a:spLocks noGrp="1"/>
-          </p:cNvSpPr>
-          <p:nvPr>
-            <p:ph type="title"/>
-          </p:nvPr>
-        </p:nvSpPr>
-        <p:spPr/>
-        <p:txBody>
-          <a:bodyPr/>
-          <a:lstStyle/>
-          <a:p>
-            <a:endParaRPr lang="es-ES"/>
-          </a:p>
-        </p:txBody>
-      </p:sp>
-      <p:sp>
-        <p:nvSpPr>
-          <p:cNvPr id="3" name="Marcador de contenido 2">
-            <a:extLst>
-              <a:ext uri="{FF2B5EF4-FFF2-40B4-BE49-F238E27FC236}">
-                <a16:creationId xmlns:a16="http://schemas.microsoft.com/office/drawing/2014/main" id="{5E5A6D3D-CB42-4AF0-AD36-24DAFAD74693}"/>
-              </a:ext>
-            </a:extLst>
-          </p:cNvPr>
-          <p:cNvSpPr>
-            <a:spLocks noGrp="1"/>
-          </p:cNvSpPr>
-          <p:nvPr>
-            <p:ph idx="1"/>
-          </p:nvPr>
-        </p:nvSpPr>
-        <p:spPr/>
-        <p:txBody>
-          <a:bodyPr/>
-          <a:lstStyle/>
-          <a:p>
-            <a:endParaRPr lang="es-ES"/>
-          </a:p>
-        </p:txBody>
-      </p:sp>
       <p:pic>
         <p:nvPicPr>
           <p:cNvPr id="4" name="Imagen 3">
@@ -3613,8 +3653,38 @@
         </p:blipFill>
         <p:spPr>
           <a:xfrm>
-            <a:off x="1713888" y="1333207"/>
-            <a:ext cx="8764223" cy="4191585"/>
+            <a:off x="169568" y="0"/>
+            <a:ext cx="6217303" cy="2973493"/>
+          </a:xfrm>
+          <a:prstGeom prst="rect">
+            <a:avLst/>
+          </a:prstGeom>
+        </p:spPr>
+      </p:pic>
+      <p:pic>
+        <p:nvPicPr>
+          <p:cNvPr id="5" name="Imagen 4">
+            <a:extLst>
+              <a:ext uri="{FF2B5EF4-FFF2-40B4-BE49-F238E27FC236}">
+                <a16:creationId xmlns:a16="http://schemas.microsoft.com/office/drawing/2014/main" id="{E560A521-16E9-4E8C-9CA7-8FC1BE69CBE2}"/>
+              </a:ext>
+            </a:extLst>
+          </p:cNvPr>
+          <p:cNvPicPr>
+            <a:picLocks noChangeAspect="1"/>
+          </p:cNvPicPr>
+          <p:nvPr/>
+        </p:nvPicPr>
+        <p:blipFill>
+          <a:blip r:embed="rId3"/>
+          <a:stretch>
+            <a:fillRect/>
+          </a:stretch>
+        </p:blipFill>
+        <p:spPr>
+          <a:xfrm>
+            <a:off x="0" y="2973493"/>
+            <a:ext cx="6292192" cy="2653664"/>
           </a:xfrm>
           <a:prstGeom prst="rect">
             <a:avLst/>

--- a/Microsoft Cognitive Services and Custom Vision.pptx
+++ b/Microsoft Cognitive Services and Custom Vision.pptx
@@ -6,13 +6,14 @@
   </p:sldMasterIdLst>
   <p:sldIdLst>
     <p:sldId id="256" r:id="rId2"/>
-    <p:sldId id="261" r:id="rId3"/>
-    <p:sldId id="262" r:id="rId4"/>
-    <p:sldId id="257" r:id="rId5"/>
-    <p:sldId id="260" r:id="rId6"/>
-    <p:sldId id="263" r:id="rId7"/>
-    <p:sldId id="258" r:id="rId8"/>
-    <p:sldId id="259" r:id="rId9"/>
+    <p:sldId id="264" r:id="rId3"/>
+    <p:sldId id="261" r:id="rId4"/>
+    <p:sldId id="262" r:id="rId5"/>
+    <p:sldId id="257" r:id="rId6"/>
+    <p:sldId id="260" r:id="rId7"/>
+    <p:sldId id="263" r:id="rId8"/>
+    <p:sldId id="258" r:id="rId9"/>
+    <p:sldId id="259" r:id="rId10"/>
   </p:sldIdLst>
   <p:sldSz cx="12192000" cy="6858000"/>
   <p:notesSz cx="6858000" cy="9144000"/>
@@ -266,7 +267,7 @@
           <a:p>
             <a:fld id="{AD2CA3B8-1545-400E-8560-E9F160DC3A33}" type="datetimeFigureOut">
               <a:rPr lang="es-ES" smtClean="0"/>
-              <a:t>15/03/2019</a:t>
+              <a:t>17/03/2019</a:t>
             </a:fld>
             <a:endParaRPr lang="es-ES"/>
           </a:p>
@@ -464,7 +465,7 @@
           <a:p>
             <a:fld id="{AD2CA3B8-1545-400E-8560-E9F160DC3A33}" type="datetimeFigureOut">
               <a:rPr lang="es-ES" smtClean="0"/>
-              <a:t>15/03/2019</a:t>
+              <a:t>17/03/2019</a:t>
             </a:fld>
             <a:endParaRPr lang="es-ES"/>
           </a:p>
@@ -672,7 +673,7 @@
           <a:p>
             <a:fld id="{AD2CA3B8-1545-400E-8560-E9F160DC3A33}" type="datetimeFigureOut">
               <a:rPr lang="es-ES" smtClean="0"/>
-              <a:t>15/03/2019</a:t>
+              <a:t>17/03/2019</a:t>
             </a:fld>
             <a:endParaRPr lang="es-ES"/>
           </a:p>
@@ -870,7 +871,7 @@
           <a:p>
             <a:fld id="{AD2CA3B8-1545-400E-8560-E9F160DC3A33}" type="datetimeFigureOut">
               <a:rPr lang="es-ES" smtClean="0"/>
-              <a:t>15/03/2019</a:t>
+              <a:t>17/03/2019</a:t>
             </a:fld>
             <a:endParaRPr lang="es-ES"/>
           </a:p>
@@ -1145,7 +1146,7 @@
           <a:p>
             <a:fld id="{AD2CA3B8-1545-400E-8560-E9F160DC3A33}" type="datetimeFigureOut">
               <a:rPr lang="es-ES" smtClean="0"/>
-              <a:t>15/03/2019</a:t>
+              <a:t>17/03/2019</a:t>
             </a:fld>
             <a:endParaRPr lang="es-ES"/>
           </a:p>
@@ -1410,7 +1411,7 @@
           <a:p>
             <a:fld id="{AD2CA3B8-1545-400E-8560-E9F160DC3A33}" type="datetimeFigureOut">
               <a:rPr lang="es-ES" smtClean="0"/>
-              <a:t>15/03/2019</a:t>
+              <a:t>17/03/2019</a:t>
             </a:fld>
             <a:endParaRPr lang="es-ES"/>
           </a:p>
@@ -1822,7 +1823,7 @@
           <a:p>
             <a:fld id="{AD2CA3B8-1545-400E-8560-E9F160DC3A33}" type="datetimeFigureOut">
               <a:rPr lang="es-ES" smtClean="0"/>
-              <a:t>15/03/2019</a:t>
+              <a:t>17/03/2019</a:t>
             </a:fld>
             <a:endParaRPr lang="es-ES"/>
           </a:p>
@@ -1963,7 +1964,7 @@
           <a:p>
             <a:fld id="{AD2CA3B8-1545-400E-8560-E9F160DC3A33}" type="datetimeFigureOut">
               <a:rPr lang="es-ES" smtClean="0"/>
-              <a:t>15/03/2019</a:t>
+              <a:t>17/03/2019</a:t>
             </a:fld>
             <a:endParaRPr lang="es-ES"/>
           </a:p>
@@ -2076,7 +2077,7 @@
           <a:p>
             <a:fld id="{AD2CA3B8-1545-400E-8560-E9F160DC3A33}" type="datetimeFigureOut">
               <a:rPr lang="es-ES" smtClean="0"/>
-              <a:t>15/03/2019</a:t>
+              <a:t>17/03/2019</a:t>
             </a:fld>
             <a:endParaRPr lang="es-ES"/>
           </a:p>
@@ -2387,7 +2388,7 @@
           <a:p>
             <a:fld id="{AD2CA3B8-1545-400E-8560-E9F160DC3A33}" type="datetimeFigureOut">
               <a:rPr lang="es-ES" smtClean="0"/>
-              <a:t>15/03/2019</a:t>
+              <a:t>17/03/2019</a:t>
             </a:fld>
             <a:endParaRPr lang="es-ES"/>
           </a:p>
@@ -2675,7 +2676,7 @@
           <a:p>
             <a:fld id="{AD2CA3B8-1545-400E-8560-E9F160DC3A33}" type="datetimeFigureOut">
               <a:rPr lang="es-ES" smtClean="0"/>
-              <a:t>15/03/2019</a:t>
+              <a:t>17/03/2019</a:t>
             </a:fld>
             <a:endParaRPr lang="es-ES"/>
           </a:p>
@@ -2916,7 +2917,7 @@
           <a:p>
             <a:fld id="{AD2CA3B8-1545-400E-8560-E9F160DC3A33}" type="datetimeFigureOut">
               <a:rPr lang="es-ES" smtClean="0"/>
-              <a:t>15/03/2019</a:t>
+              <a:t>17/03/2019</a:t>
             </a:fld>
             <a:endParaRPr lang="es-ES"/>
           </a:p>
@@ -3459,6 +3460,152 @@
           <p:cNvPr id="2" name="Título 1">
             <a:extLst>
               <a:ext uri="{FF2B5EF4-FFF2-40B4-BE49-F238E27FC236}">
+                <a16:creationId xmlns:a16="http://schemas.microsoft.com/office/drawing/2014/main" id="{5DFF1416-D024-487F-83A8-80C450C3A9DE}"/>
+              </a:ext>
+            </a:extLst>
+          </p:cNvPr>
+          <p:cNvSpPr>
+            <a:spLocks noGrp="1"/>
+          </p:cNvSpPr>
+          <p:nvPr>
+            <p:ph type="title"/>
+          </p:nvPr>
+        </p:nvSpPr>
+        <p:spPr/>
+        <p:txBody>
+          <a:bodyPr/>
+          <a:lstStyle/>
+          <a:p>
+            <a:endParaRPr lang="es-ES"/>
+          </a:p>
+        </p:txBody>
+      </p:sp>
+      <p:sp>
+        <p:nvSpPr>
+          <p:cNvPr id="3" name="Marcador de contenido 2">
+            <a:extLst>
+              <a:ext uri="{FF2B5EF4-FFF2-40B4-BE49-F238E27FC236}">
+                <a16:creationId xmlns:a16="http://schemas.microsoft.com/office/drawing/2014/main" id="{62204B38-F150-4473-85A2-163E0D7A287F}"/>
+              </a:ext>
+            </a:extLst>
+          </p:cNvPr>
+          <p:cNvSpPr>
+            <a:spLocks noGrp="1"/>
+          </p:cNvSpPr>
+          <p:nvPr>
+            <p:ph idx="1"/>
+          </p:nvPr>
+        </p:nvSpPr>
+        <p:spPr/>
+        <p:txBody>
+          <a:bodyPr/>
+          <a:lstStyle/>
+          <a:p>
+            <a:r>
+              <a:rPr lang="es-ES" dirty="0">
+                <a:hlinkClick r:id="rId2"/>
+              </a:rPr>
+              <a:t>https://www.youtube.com/watch?v=dYFfNcjM4mo</a:t>
+            </a:r>
+            <a:endParaRPr lang="es-ES" dirty="0"/>
+          </a:p>
+          <a:p>
+            <a:r>
+              <a:rPr lang="es-ES" dirty="0"/>
+              <a:t>Microsoft </a:t>
+            </a:r>
+            <a:r>
+              <a:rPr lang="es-ES" dirty="0" err="1"/>
+              <a:t>Ignite</a:t>
+            </a:r>
+            <a:r>
+              <a:rPr lang="es-ES" dirty="0"/>
+              <a:t>: </a:t>
+            </a:r>
+            <a:r>
+              <a:rPr lang="es-ES" dirty="0">
+                <a:hlinkClick r:id="rId3"/>
+              </a:rPr>
+              <a:t>https://www.youtube.com/watch?v=nSqEztaHpTE</a:t>
+            </a:r>
+            <a:endParaRPr lang="es-ES" dirty="0"/>
+          </a:p>
+          <a:p>
+            <a:endParaRPr lang="es-ES" dirty="0"/>
+          </a:p>
+          <a:p>
+            <a:endParaRPr lang="es-ES" dirty="0"/>
+          </a:p>
+          <a:p>
+            <a:endParaRPr lang="es-ES" dirty="0"/>
+          </a:p>
+        </p:txBody>
+      </p:sp>
+      <p:pic>
+        <p:nvPicPr>
+          <p:cNvPr id="4" name="Imagen 3">
+            <a:extLst>
+              <a:ext uri="{FF2B5EF4-FFF2-40B4-BE49-F238E27FC236}">
+                <a16:creationId xmlns:a16="http://schemas.microsoft.com/office/drawing/2014/main" id="{CD217A9B-E4A7-4F56-8434-0BBF3AA7498B}"/>
+              </a:ext>
+            </a:extLst>
+          </p:cNvPr>
+          <p:cNvPicPr>
+            <a:picLocks noChangeAspect="1"/>
+          </p:cNvPicPr>
+          <p:nvPr/>
+        </p:nvPicPr>
+        <p:blipFill>
+          <a:blip r:embed="rId4"/>
+          <a:stretch>
+            <a:fillRect/>
+          </a:stretch>
+        </p:blipFill>
+        <p:spPr>
+          <a:xfrm>
+            <a:off x="310175" y="3507104"/>
+            <a:ext cx="7251103" cy="3107615"/>
+          </a:xfrm>
+          <a:prstGeom prst="rect">
+            <a:avLst/>
+          </a:prstGeom>
+        </p:spPr>
+      </p:pic>
+    </p:spTree>
+    <p:extLst>
+      <p:ext uri="{BB962C8B-B14F-4D97-AF65-F5344CB8AC3E}">
+        <p14:creationId xmlns:p14="http://schemas.microsoft.com/office/powerpoint/2010/main" val="2477103488"/>
+      </p:ext>
+    </p:extLst>
+  </p:cSld>
+  <p:clrMapOvr>
+    <a:masterClrMapping/>
+  </p:clrMapOvr>
+</p:sld>
+</file>
+
+<file path=ppt/slides/slide3.xml><?xml version="1.0" encoding="utf-8"?>
+<p:sld xmlns:a="http://schemas.openxmlformats.org/drawingml/2006/main" xmlns:r="http://schemas.openxmlformats.org/officeDocument/2006/relationships" xmlns:p="http://schemas.openxmlformats.org/presentationml/2006/main">
+  <p:cSld>
+    <p:spTree>
+      <p:nvGrpSpPr>
+        <p:cNvPr id="1" name=""/>
+        <p:cNvGrpSpPr/>
+        <p:nvPr/>
+      </p:nvGrpSpPr>
+      <p:grpSpPr>
+        <a:xfrm>
+          <a:off x="0" y="0"/>
+          <a:ext cx="0" cy="0"/>
+          <a:chOff x="0" y="0"/>
+          <a:chExt cx="0" cy="0"/>
+        </a:xfrm>
+      </p:grpSpPr>
+      <p:sp>
+        <p:nvSpPr>
+          <p:cNvPr id="2" name="Título 1">
+            <a:extLst>
+              <a:ext uri="{FF2B5EF4-FFF2-40B4-BE49-F238E27FC236}">
                 <a16:creationId xmlns:a16="http://schemas.microsoft.com/office/drawing/2014/main" id="{7492C75C-01B6-4E6A-8AE8-BE6B7D6A3D2C}"/>
               </a:ext>
             </a:extLst>
@@ -3614,7 +3761,7 @@
 </p:sld>
 </file>
 
-<file path=ppt/slides/slide3.xml><?xml version="1.0" encoding="utf-8"?>
+<file path=ppt/slides/slide4.xml><?xml version="1.0" encoding="utf-8"?>
 <p:sld xmlns:a="http://schemas.openxmlformats.org/drawingml/2006/main" xmlns:r="http://schemas.openxmlformats.org/officeDocument/2006/relationships" xmlns:p="http://schemas.openxmlformats.org/presentationml/2006/main">
   <p:cSld>
     <p:spTree>
@@ -3704,7 +3851,7 @@
 </p:sld>
 </file>
 
-<file path=ppt/slides/slide4.xml><?xml version="1.0" encoding="utf-8"?>
+<file path=ppt/slides/slide5.xml><?xml version="1.0" encoding="utf-8"?>
 <p:sld xmlns:a="http://schemas.openxmlformats.org/drawingml/2006/main" xmlns:r="http://schemas.openxmlformats.org/officeDocument/2006/relationships" xmlns:p="http://schemas.openxmlformats.org/presentationml/2006/main">
   <p:cSld>
     <p:spTree>
@@ -3801,8 +3948,38 @@
         </p:blipFill>
         <p:spPr>
           <a:xfrm>
-            <a:off x="586409" y="3145347"/>
-            <a:ext cx="10515600" cy="3467911"/>
+            <a:off x="6509279" y="4983911"/>
+            <a:ext cx="5682721" cy="1874089"/>
+          </a:xfrm>
+          <a:prstGeom prst="rect">
+            <a:avLst/>
+          </a:prstGeom>
+        </p:spPr>
+      </p:pic>
+      <p:pic>
+        <p:nvPicPr>
+          <p:cNvPr id="5" name="Imagen 4">
+            <a:extLst>
+              <a:ext uri="{FF2B5EF4-FFF2-40B4-BE49-F238E27FC236}">
+                <a16:creationId xmlns:a16="http://schemas.microsoft.com/office/drawing/2014/main" id="{BE5B4B1F-1FCA-43B2-A86B-0DF2F28CBF4C}"/>
+              </a:ext>
+            </a:extLst>
+          </p:cNvPr>
+          <p:cNvPicPr>
+            <a:picLocks noChangeAspect="1"/>
+          </p:cNvPicPr>
+          <p:nvPr/>
+        </p:nvPicPr>
+        <p:blipFill>
+          <a:blip r:embed="rId3"/>
+          <a:stretch>
+            <a:fillRect/>
+          </a:stretch>
+        </p:blipFill>
+        <p:spPr>
+          <a:xfrm>
+            <a:off x="0" y="3202739"/>
+            <a:ext cx="6509279" cy="3653278"/>
           </a:xfrm>
           <a:prstGeom prst="rect">
             <a:avLst/>
@@ -3822,7 +3999,7 @@
 </p:sld>
 </file>
 
-<file path=ppt/slides/slide5.xml><?xml version="1.0" encoding="utf-8"?>
+<file path=ppt/slides/slide6.xml><?xml version="1.0" encoding="utf-8"?>
 <p:sld xmlns:a="http://schemas.openxmlformats.org/drawingml/2006/main" xmlns:r="http://schemas.openxmlformats.org/officeDocument/2006/relationships" xmlns:p="http://schemas.openxmlformats.org/presentationml/2006/main">
   <p:cSld>
     <p:spTree>
@@ -3943,7 +4120,7 @@
 </p:sld>
 </file>
 
-<file path=ppt/slides/slide6.xml><?xml version="1.0" encoding="utf-8"?>
+<file path=ppt/slides/slide7.xml><?xml version="1.0" encoding="utf-8"?>
 <p:sld xmlns:a="http://schemas.openxmlformats.org/drawingml/2006/main" xmlns:r="http://schemas.openxmlformats.org/officeDocument/2006/relationships" xmlns:p="http://schemas.openxmlformats.org/presentationml/2006/main">
   <p:cSld>
     <p:spTree>
@@ -4053,7 +4230,7 @@
 </p:sld>
 </file>
 
-<file path=ppt/slides/slide7.xml><?xml version="1.0" encoding="utf-8"?>
+<file path=ppt/slides/slide8.xml><?xml version="1.0" encoding="utf-8"?>
 <p:sld xmlns:a="http://schemas.openxmlformats.org/drawingml/2006/main" xmlns:r="http://schemas.openxmlformats.org/officeDocument/2006/relationships" xmlns:p="http://schemas.openxmlformats.org/presentationml/2006/main">
   <p:cSld>
     <p:spTree>
@@ -4149,7 +4326,12 @@
             <p:ph idx="1"/>
           </p:nvPr>
         </p:nvSpPr>
-        <p:spPr/>
+        <p:spPr>
+          <a:xfrm>
+            <a:off x="3543300" y="1406525"/>
+            <a:ext cx="7810500" cy="2508250"/>
+          </a:xfrm>
+        </p:spPr>
         <p:txBody>
           <a:bodyPr/>
           <a:lstStyle/>
@@ -4212,6 +4394,36 @@
           </a:prstGeom>
         </p:spPr>
       </p:pic>
+      <p:pic>
+        <p:nvPicPr>
+          <p:cNvPr id="6" name="Imagen 5">
+            <a:extLst>
+              <a:ext uri="{FF2B5EF4-FFF2-40B4-BE49-F238E27FC236}">
+                <a16:creationId xmlns:a16="http://schemas.microsoft.com/office/drawing/2014/main" id="{8B4EF902-1FD7-4C50-8F2B-D33E37C83BD1}"/>
+              </a:ext>
+            </a:extLst>
+          </p:cNvPr>
+          <p:cNvPicPr>
+            <a:picLocks noChangeAspect="1"/>
+          </p:cNvPicPr>
+          <p:nvPr/>
+        </p:nvPicPr>
+        <p:blipFill>
+          <a:blip r:embed="rId4"/>
+          <a:stretch>
+            <a:fillRect/>
+          </a:stretch>
+        </p:blipFill>
+        <p:spPr>
+          <a:xfrm>
+            <a:off x="0" y="1406525"/>
+            <a:ext cx="3385381" cy="3881811"/>
+          </a:xfrm>
+          <a:prstGeom prst="rect">
+            <a:avLst/>
+          </a:prstGeom>
+        </p:spPr>
+      </p:pic>
     </p:spTree>
     <p:extLst>
       <p:ext uri="{BB962C8B-B14F-4D97-AF65-F5344CB8AC3E}">
@@ -4225,7 +4437,7 @@
 </p:sld>
 </file>
 
-<file path=ppt/slides/slide8.xml><?xml version="1.0" encoding="utf-8"?>
+<file path=ppt/slides/slide9.xml><?xml version="1.0" encoding="utf-8"?>
 <p:sld xmlns:a="http://schemas.openxmlformats.org/drawingml/2006/main" xmlns:r="http://schemas.openxmlformats.org/officeDocument/2006/relationships" xmlns:p="http://schemas.openxmlformats.org/presentationml/2006/main">
   <p:cSld>
     <p:spTree>
@@ -4287,34 +4499,41 @@
             <p:ph idx="1"/>
           </p:nvPr>
         </p:nvSpPr>
-        <p:spPr/>
-        <p:txBody>
-          <a:bodyPr/>
-          <a:lstStyle/>
-          <a:p>
-            <a:r>
-              <a:rPr lang="en-US" dirty="0"/>
+        <p:spPr>
+          <a:xfrm>
+            <a:off x="838200" y="1256539"/>
+            <a:ext cx="10515600" cy="1905762"/>
+          </a:xfrm>
+        </p:spPr>
+        <p:txBody>
+          <a:bodyPr>
+            <a:normAutofit/>
+          </a:bodyPr>
+          <a:lstStyle/>
+          <a:p>
+            <a:r>
+              <a:rPr lang="en-US" sz="2400" dirty="0"/>
               <a:t>Azure Custom Vision is a cognitive service that lets you build, deploy and improve your own image classifiers. An image classifier is an AI service that applies labels (which represent </a:t>
             </a:r>
             <a:r>
-              <a:rPr lang="en-US" i="1" dirty="0"/>
+              <a:rPr lang="en-US" sz="2400" i="1" dirty="0"/>
               <a:t>classes</a:t>
             </a:r>
             <a:r>
-              <a:rPr lang="en-US" dirty="0"/>
+              <a:rPr lang="en-US" sz="2400" dirty="0"/>
               <a:t>) to images, according to their visual characteristics. Unlike the </a:t>
             </a:r>
             <a:r>
-              <a:rPr lang="en-US" u="sng" dirty="0">
+              <a:rPr lang="en-US" sz="2400" u="sng" dirty="0">
                 <a:hlinkClick r:id="rId2"/>
               </a:rPr>
               <a:t>Computer Vision</a:t>
             </a:r>
             <a:r>
-              <a:rPr lang="en-US" dirty="0"/>
+              <a:rPr lang="en-US" sz="2400" dirty="0"/>
               <a:t> service, Custom Vision allows you to determine the labels to apply.</a:t>
             </a:r>
-            <a:endParaRPr lang="es-ES" dirty="0"/>
+            <a:endParaRPr lang="es-ES" sz="2400" dirty="0"/>
           </a:p>
         </p:txBody>
       </p:sp>
@@ -4342,6 +4561,66 @@
           <a:xfrm>
             <a:off x="10519072" y="799274"/>
             <a:ext cx="695422" cy="457264"/>
+          </a:xfrm>
+          <a:prstGeom prst="rect">
+            <a:avLst/>
+          </a:prstGeom>
+        </p:spPr>
+      </p:pic>
+      <p:pic>
+        <p:nvPicPr>
+          <p:cNvPr id="5" name="Imagen 4">
+            <a:extLst>
+              <a:ext uri="{FF2B5EF4-FFF2-40B4-BE49-F238E27FC236}">
+                <a16:creationId xmlns:a16="http://schemas.microsoft.com/office/drawing/2014/main" id="{EAAF5C11-EA60-4F2C-8B7D-3D9845608CC8}"/>
+              </a:ext>
+            </a:extLst>
+          </p:cNvPr>
+          <p:cNvPicPr>
+            <a:picLocks noChangeAspect="1"/>
+          </p:cNvPicPr>
+          <p:nvPr/>
+        </p:nvPicPr>
+        <p:blipFill>
+          <a:blip r:embed="rId4"/>
+          <a:stretch>
+            <a:fillRect/>
+          </a:stretch>
+        </p:blipFill>
+        <p:spPr>
+          <a:xfrm>
+            <a:off x="93319" y="3429000"/>
+            <a:ext cx="2854912" cy="3415004"/>
+          </a:xfrm>
+          <a:prstGeom prst="rect">
+            <a:avLst/>
+          </a:prstGeom>
+        </p:spPr>
+      </p:pic>
+      <p:pic>
+        <p:nvPicPr>
+          <p:cNvPr id="6" name="Imagen 5">
+            <a:extLst>
+              <a:ext uri="{FF2B5EF4-FFF2-40B4-BE49-F238E27FC236}">
+                <a16:creationId xmlns:a16="http://schemas.microsoft.com/office/drawing/2014/main" id="{C58BC8D6-AA08-4474-B8A1-24A06D25ECB8}"/>
+              </a:ext>
+            </a:extLst>
+          </p:cNvPr>
+          <p:cNvPicPr>
+            <a:picLocks noChangeAspect="1"/>
+          </p:cNvPicPr>
+          <p:nvPr/>
+        </p:nvPicPr>
+        <p:blipFill>
+          <a:blip r:embed="rId5"/>
+          <a:stretch>
+            <a:fillRect/>
+          </a:stretch>
+        </p:blipFill>
+        <p:spPr>
+          <a:xfrm>
+            <a:off x="2995272" y="3402054"/>
+            <a:ext cx="2854912" cy="3455946"/>
           </a:xfrm>
           <a:prstGeom prst="rect">
             <a:avLst/>
